--- a/deliverables/Release 2/Presentation.pptx
+++ b/deliverables/Release 2/Presentation.pptx
@@ -116,7 +116,7 @@
   </p:defaultTextStyle>
   <p:extLst>
     <p:ext uri="{EFAFB233-063F-42B5-8137-9DF3F51BA10A}">
-      <p15:sldGuideLst xmlns="" xmlns:p15="http://schemas.microsoft.com/office/powerpoint/2012/main">
+      <p15:sldGuideLst xmlns:p15="http://schemas.microsoft.com/office/powerpoint/2012/main" xmlns="">
         <p15:guide id="1" orient="horz" pos="2160">
           <p15:clr>
             <a:srgbClr val="A4A3A4"/>
@@ -216,7 +216,7 @@
             <a:fld id="{8DA19F56-ACA0-41AC-8B57-A442F5EEA315}" type="datetimeFigureOut">
               <a:rPr lang="en-US" smtClean="0"/>
               <a:pPr/>
-              <a:t>4/29/2016</a:t>
+              <a:t>5/3/2016</a:t>
             </a:fld>
             <a:endParaRPr lang="en-US" dirty="0"/>
           </a:p>
@@ -385,7 +385,7 @@
     </p:spTree>
     <p:extLst>
       <p:ext uri="{BB962C8B-B14F-4D97-AF65-F5344CB8AC3E}">
-        <p14:creationId xmlns:p14="http://schemas.microsoft.com/office/powerpoint/2010/main" xmlns="" val="877372202"/>
+        <p14:creationId xmlns="" xmlns:p14="http://schemas.microsoft.com/office/powerpoint/2010/main" val="877372202"/>
       </p:ext>
     </p:extLst>
   </p:cSld>
@@ -560,7 +560,7 @@
     </p:spTree>
     <p:extLst>
       <p:ext uri="{BB962C8B-B14F-4D97-AF65-F5344CB8AC3E}">
-        <p14:creationId xmlns:p14="http://schemas.microsoft.com/office/powerpoint/2010/main" xmlns="" val="2064778030"/>
+        <p14:creationId xmlns="" xmlns:p14="http://schemas.microsoft.com/office/powerpoint/2010/main" val="2064778030"/>
       </p:ext>
     </p:extLst>
   </p:cSld>
@@ -721,7 +721,7 @@
             <a:fld id="{36B140D4-A3A3-4829-9AF4-939373EE1FEF}" type="datetime1">
               <a:rPr lang="en-US" smtClean="0"/>
               <a:pPr/>
-              <a:t>4/29/2016</a:t>
+              <a:t>5/3/2016</a:t>
             </a:fld>
             <a:endParaRPr lang="en-US" dirty="0"/>
           </a:p>
@@ -1009,7 +1009,7 @@
             <a:fld id="{ADC86C13-5019-42A3-BFFC-5D3F9002F9BF}" type="datetime1">
               <a:rPr lang="en-US" smtClean="0"/>
               <a:pPr/>
-              <a:t>4/29/2016</a:t>
+              <a:t>5/3/2016</a:t>
             </a:fld>
             <a:endParaRPr lang="en-US" dirty="0"/>
           </a:p>
@@ -1186,7 +1186,7 @@
             <a:fld id="{C184BA45-0EDE-43ED-9550-7F693199B242}" type="datetime1">
               <a:rPr lang="en-US" smtClean="0"/>
               <a:pPr/>
-              <a:t>4/29/2016</a:t>
+              <a:t>5/3/2016</a:t>
             </a:fld>
             <a:endParaRPr lang="en-US" dirty="0"/>
           </a:p>
@@ -1436,7 +1436,7 @@
             <a:fld id="{3E9E3D45-5791-42C8-9EBC-F1AFEB6B2420}" type="datetime1">
               <a:rPr lang="en-US" smtClean="0"/>
               <a:pPr/>
-              <a:t>4/29/2016</a:t>
+              <a:t>5/3/2016</a:t>
             </a:fld>
             <a:endParaRPr lang="en-US" dirty="0"/>
           </a:p>
@@ -1707,7 +1707,7 @@
             <a:fld id="{4B244393-B3BD-4367-B9EC-D603BF9120A1}" type="datetime1">
               <a:rPr lang="en-US" smtClean="0"/>
               <a:pPr/>
-              <a:t>4/29/2016</a:t>
+              <a:t>5/3/2016</a:t>
             </a:fld>
             <a:endParaRPr lang="en-US" dirty="0"/>
           </a:p>
@@ -2062,7 +2062,7 @@
             <a:fld id="{63EA3B75-92B6-4726-BA8F-5439D404ED8C}" type="datetime1">
               <a:rPr lang="en-US" smtClean="0"/>
               <a:pPr/>
-              <a:t>4/29/2016</a:t>
+              <a:t>5/3/2016</a:t>
             </a:fld>
             <a:endParaRPr lang="en-US" dirty="0"/>
           </a:p>
@@ -2438,7 +2438,7 @@
             <a:fld id="{9236B138-40B0-4F77-BDF4-D22F473E4E6F}" type="datetime1">
               <a:rPr lang="en-US" smtClean="0"/>
               <a:pPr/>
-              <a:t>4/29/2016</a:t>
+              <a:t>5/3/2016</a:t>
             </a:fld>
             <a:endParaRPr lang="en-US" dirty="0"/>
           </a:p>
@@ -2560,7 +2560,7 @@
             <a:fld id="{B0A2C853-962E-4C47-A6F1-CA36DF65C211}" type="datetime1">
               <a:rPr lang="en-US" smtClean="0"/>
               <a:pPr/>
-              <a:t>4/29/2016</a:t>
+              <a:t>5/3/2016</a:t>
             </a:fld>
             <a:endParaRPr lang="en-US" dirty="0"/>
           </a:p>
@@ -2652,7 +2652,7 @@
             <a:fld id="{B25B9347-8089-4F51-8CE9-0AC4EC7E90AA}" type="datetime1">
               <a:rPr lang="en-US" smtClean="0"/>
               <a:pPr/>
-              <a:t>4/29/2016</a:t>
+              <a:t>5/3/2016</a:t>
             </a:fld>
             <a:endParaRPr lang="en-US" dirty="0"/>
           </a:p>
@@ -3086,7 +3086,7 @@
             <a:fld id="{04549C87-551A-4DD5-8765-BD7EBDFE048D}" type="datetime1">
               <a:rPr lang="en-US" smtClean="0"/>
               <a:pPr/>
-              <a:t>4/29/2016</a:t>
+              <a:t>5/3/2016</a:t>
             </a:fld>
             <a:endParaRPr lang="en-US" dirty="0"/>
           </a:p>
@@ -3467,7 +3467,7 @@
             <a:fld id="{633E25C4-0B63-4D1C-AD6A-1D18751E8F75}" type="datetime1">
               <a:rPr lang="en-US" smtClean="0"/>
               <a:pPr/>
-              <a:t>4/29/2016</a:t>
+              <a:t>5/3/2016</a:t>
             </a:fld>
             <a:endParaRPr lang="en-US" dirty="0"/>
           </a:p>
@@ -3758,7 +3758,7 @@
             <a:fld id="{14169AFE-1D9B-41B1-A680-17188D3448CA}" type="datetime1">
               <a:rPr lang="en-US" smtClean="0"/>
               <a:pPr/>
-              <a:t>4/29/2016</a:t>
+              <a:t>5/3/2016</a:t>
             </a:fld>
             <a:endParaRPr lang="en-US" dirty="0"/>
           </a:p>
@@ -4410,7 +4410,6 @@
               <a:rPr lang="en-US" dirty="0" smtClean="0"/>
               <a:t>Coy Humphrey</a:t>
             </a:r>
-            <a:endParaRPr lang="en-US" dirty="0" smtClean="0"/>
           </a:p>
           <a:p>
             <a:pPr algn="r"/>
@@ -4430,7 +4429,6 @@
               <a:rPr lang="en-US" dirty="0" smtClean="0"/>
               <a:t>Jayden Navarro</a:t>
             </a:r>
-            <a:endParaRPr lang="en-US" dirty="0" smtClean="0"/>
           </a:p>
           <a:p>
             <a:pPr algn="r"/>
@@ -4438,7 +4436,6 @@
               <a:rPr lang="en-US" dirty="0" smtClean="0"/>
               <a:t>Alice Yu</a:t>
             </a:r>
-            <a:endParaRPr lang="en-US" dirty="0" smtClean="0"/>
           </a:p>
         </p:txBody>
       </p:sp>
@@ -4454,7 +4451,7 @@
           <a:blip r:embed="rId2">
             <a:extLst>
               <a:ext uri="{BEBA8EAE-BF5A-486C-A8C5-ECC9F3942E4B}">
-                <a14:imgProps xmlns:a14="http://schemas.microsoft.com/office/drawing/2010/main" xmlns="">
+                <a14:imgProps xmlns="" xmlns:a14="http://schemas.microsoft.com/office/drawing/2010/main">
                   <a14:imgLayer r:embed="rId4">
                     <a14:imgEffect>
                       <a14:backgroundRemoval t="158" b="100000" l="0" r="100000">
@@ -4469,7 +4466,7 @@
                 </a14:imgProps>
               </a:ext>
               <a:ext uri="{28A0092B-C50C-407E-A947-70E740481C1C}">
-                <a14:useLocalDpi xmlns:a14="http://schemas.microsoft.com/office/drawing/2010/main" xmlns="" val="0"/>
+                <a14:useLocalDpi xmlns="" xmlns:a14="http://schemas.microsoft.com/office/drawing/2010/main" val="0"/>
               </a:ext>
             </a:extLst>
           </a:blip>
@@ -4516,7 +4513,7 @@
     </p:spTree>
     <p:extLst>
       <p:ext uri="{BB962C8B-B14F-4D97-AF65-F5344CB8AC3E}">
-        <p14:creationId xmlns:p14="http://schemas.microsoft.com/office/powerpoint/2010/main" xmlns="" val="3488360670"/>
+        <p14:creationId xmlns="" xmlns:p14="http://schemas.microsoft.com/office/powerpoint/2010/main" val="3488360670"/>
       </p:ext>
     </p:extLst>
   </p:cSld>
@@ -4644,7 +4641,7 @@
           <a:blip r:embed="rId2">
             <a:extLst>
               <a:ext uri="{28A0092B-C50C-407E-A947-70E740481C1C}">
-                <a14:useLocalDpi xmlns:a14="http://schemas.microsoft.com/office/drawing/2010/main" xmlns="" val="0"/>
+                <a14:useLocalDpi xmlns="" xmlns:a14="http://schemas.microsoft.com/office/drawing/2010/main" val="0"/>
               </a:ext>
             </a:extLst>
           </a:blip>
@@ -4725,7 +4722,7 @@
     </p:spTree>
     <p:extLst>
       <p:ext uri="{BB962C8B-B14F-4D97-AF65-F5344CB8AC3E}">
-        <p14:creationId xmlns:p14="http://schemas.microsoft.com/office/powerpoint/2010/main" xmlns="" val="675447979"/>
+        <p14:creationId xmlns="" xmlns:p14="http://schemas.microsoft.com/office/powerpoint/2010/main" val="675447979"/>
       </p:ext>
     </p:extLst>
   </p:cSld>
@@ -4808,18 +4805,26 @@
               <a:rPr lang="en-US" dirty="0" smtClean="0">
                 <a:latin typeface="+mj-lt"/>
               </a:rPr>
-              <a:t>First Goal</a:t>
-            </a:r>
-          </a:p>
-          <a:p>
-            <a:pPr>
-              <a:buClr>
-                <a:srgbClr val="FFC000"/>
-              </a:buClr>
-              <a:buFont typeface="Wingdings" panose="05000000000000000000" pitchFamily="2" charset="2"/>
-              <a:buChar char="§"/>
-            </a:pPr>
-            <a:endParaRPr lang="en-US" dirty="0">
+              <a:t>Assemble a functional </a:t>
+            </a:r>
+            <a:r>
+              <a:rPr lang="en-US" dirty="0" smtClean="0">
+                <a:latin typeface="+mj-lt"/>
+              </a:rPr>
+              <a:t>protocol </a:t>
+            </a:r>
+            <a:r>
+              <a:rPr lang="en-US" dirty="0" smtClean="0">
+                <a:latin typeface="+mj-lt"/>
+              </a:rPr>
+              <a:t>stack</a:t>
+            </a:r>
+            <a:br>
+              <a:rPr lang="en-US" dirty="0" smtClean="0">
+                <a:latin typeface="+mj-lt"/>
+              </a:rPr>
+            </a:br>
+            <a:endParaRPr lang="en-US" dirty="0" smtClean="0">
               <a:latin typeface="+mj-lt"/>
             </a:endParaRPr>
           </a:p>
@@ -4835,7 +4840,7 @@
               <a:rPr lang="en-US" dirty="0" smtClean="0">
                 <a:latin typeface="+mj-lt"/>
               </a:rPr>
-              <a:t>Second Goal</a:t>
+              <a:t>Benchmark the functional protocol stack</a:t>
             </a:r>
             <a:endParaRPr lang="en-US" dirty="0">
               <a:latin typeface="+mj-lt"/>
@@ -4850,20 +4855,26 @@
               <a:buChar char="§"/>
             </a:pPr>
             <a:r>
-              <a:rPr lang="en-US" dirty="0" err="1" smtClean="0">
+              <a:rPr lang="en-US" sz="2000" dirty="0" smtClean="0">
                 <a:latin typeface="+mj-lt"/>
               </a:rPr>
-              <a:t>Subpoint</a:t>
-            </a:r>
-            <a:r>
-              <a:rPr lang="en-US" dirty="0" smtClean="0">
+              <a:t>Create </a:t>
+            </a:r>
+            <a:r>
+              <a:rPr lang="en-US" sz="2000" dirty="0" smtClean="0">
                 <a:latin typeface="+mj-lt"/>
               </a:rPr>
-              <a:t> if desired.</a:t>
-            </a:r>
-          </a:p>
-          <a:p>
-            <a:pPr marL="518033" lvl="1" indent="-225425">
+              <a:t>a custom test </a:t>
+            </a:r>
+            <a:r>
+              <a:rPr lang="en-US" sz="2000" dirty="0" smtClean="0">
+                <a:latin typeface="+mj-lt"/>
+              </a:rPr>
+              <a:t>suite</a:t>
+            </a:r>
+          </a:p>
+          <a:p>
+            <a:pPr marL="700913" lvl="2" indent="-225425">
               <a:buClr>
                 <a:srgbClr val="FFC000"/>
               </a:buClr>
@@ -4871,67 +4882,27 @@
               <a:buChar char="§"/>
             </a:pPr>
             <a:r>
-              <a:rPr lang="en-US" dirty="0" err="1" smtClean="0">
+              <a:rPr lang="en-US" sz="1600" dirty="0" smtClean="0">
                 <a:latin typeface="+mj-lt"/>
               </a:rPr>
-              <a:t>Subpoint</a:t>
-            </a:r>
-            <a:r>
-              <a:rPr lang="en-US" dirty="0" smtClean="0">
+              <a:t>Will determine read</a:t>
+            </a:r>
+            <a:r>
+              <a:rPr lang="en-US" sz="1600" dirty="0" smtClean="0">
                 <a:latin typeface="+mj-lt"/>
               </a:rPr>
-              <a:t> if desired.</a:t>
-            </a:r>
-            <a:br>
-              <a:rPr lang="en-US" dirty="0" smtClean="0">
+              <a:t>, write, buffer size, and seek </a:t>
+            </a:r>
+            <a:r>
+              <a:rPr lang="en-US" sz="1600" dirty="0" smtClean="0">
                 <a:latin typeface="+mj-lt"/>
               </a:rPr>
-            </a:br>
-            <a:r>
-              <a:rPr lang="en-US" dirty="0" smtClean="0">
-                <a:latin typeface="+mj-lt"/>
-              </a:rPr>
-              <a:t/>
-            </a:r>
-            <a:br>
-              <a:rPr lang="en-US" dirty="0" smtClean="0">
-                <a:latin typeface="+mj-lt"/>
-              </a:rPr>
-            </a:br>
+              <a:t>performance</a:t>
+            </a:r>
             <a:endParaRPr lang="en-US" dirty="0">
               <a:latin typeface="+mj-lt"/>
             </a:endParaRPr>
           </a:p>
-          <a:p>
-            <a:pPr marL="225425" indent="-225425">
-              <a:buClr>
-                <a:srgbClr val="FFC000"/>
-              </a:buClr>
-              <a:buFont typeface="Wingdings" panose="05000000000000000000" pitchFamily="2" charset="2"/>
-              <a:buChar char="§"/>
-            </a:pPr>
-            <a:r>
-              <a:rPr lang="en-US" dirty="0" smtClean="0">
-                <a:latin typeface="+mj-lt"/>
-              </a:rPr>
-              <a:t>Third Goal</a:t>
-            </a:r>
-            <a:endParaRPr lang="en-US" dirty="0">
-              <a:latin typeface="+mj-lt"/>
-            </a:endParaRPr>
-          </a:p>
-          <a:p>
-            <a:pPr>
-              <a:buClr>
-                <a:srgbClr val="FFC000"/>
-              </a:buClr>
-              <a:buFont typeface="Wingdings" panose="05000000000000000000" pitchFamily="2" charset="2"/>
-              <a:buChar char="§"/>
-            </a:pPr>
-            <a:endParaRPr lang="en-US" dirty="0">
-              <a:latin typeface="+mj-lt"/>
-            </a:endParaRPr>
-          </a:p>
         </p:txBody>
       </p:sp>
       <p:sp>
@@ -4960,7 +4931,7 @@
     </p:spTree>
     <p:extLst>
       <p:ext uri="{BB962C8B-B14F-4D97-AF65-F5344CB8AC3E}">
-        <p14:creationId xmlns:p14="http://schemas.microsoft.com/office/powerpoint/2010/main" xmlns="" val="1250382080"/>
+        <p14:creationId xmlns="" xmlns:p14="http://schemas.microsoft.com/office/powerpoint/2010/main" val="1250382080"/>
       </p:ext>
     </p:extLst>
   </p:cSld>
@@ -5158,7 +5129,7 @@
     </p:spTree>
     <p:extLst>
       <p:ext uri="{BB962C8B-B14F-4D97-AF65-F5344CB8AC3E}">
-        <p14:creationId xmlns:p14="http://schemas.microsoft.com/office/powerpoint/2010/main" xmlns="" val="2151381247"/>
+        <p14:creationId xmlns="" xmlns:p14="http://schemas.microsoft.com/office/powerpoint/2010/main" val="2151381247"/>
       </p:ext>
     </p:extLst>
   </p:cSld>
@@ -5204,7 +5175,7 @@
           <a:blip r:embed="rId2">
             <a:extLst>
               <a:ext uri="{28A0092B-C50C-407E-A947-70E740481C1C}">
-                <a14:useLocalDpi xmlns:a14="http://schemas.microsoft.com/office/drawing/2010/main" xmlns="" val="0"/>
+                <a14:useLocalDpi xmlns="" xmlns:a14="http://schemas.microsoft.com/office/drawing/2010/main" val="0"/>
               </a:ext>
             </a:extLst>
           </a:blip>
@@ -5726,7 +5697,7 @@
     </p:spTree>
     <p:extLst>
       <p:ext uri="{BB962C8B-B14F-4D97-AF65-F5344CB8AC3E}">
-        <p14:creationId xmlns:p14="http://schemas.microsoft.com/office/powerpoint/2010/main" xmlns="" val="1371219152"/>
+        <p14:creationId xmlns="" xmlns:p14="http://schemas.microsoft.com/office/powerpoint/2010/main" val="1371219152"/>
       </p:ext>
     </p:extLst>
   </p:cSld>
@@ -5772,7 +5743,7 @@
           <a:blip r:embed="rId2">
             <a:extLst>
               <a:ext uri="{28A0092B-C50C-407E-A947-70E740481C1C}">
-                <a14:useLocalDpi xmlns:a14="http://schemas.microsoft.com/office/drawing/2010/main" xmlns="" val="0"/>
+                <a14:useLocalDpi xmlns="" xmlns:a14="http://schemas.microsoft.com/office/drawing/2010/main" val="0"/>
               </a:ext>
             </a:extLst>
           </a:blip>
@@ -6294,7 +6265,7 @@
     </p:spTree>
     <p:extLst>
       <p:ext uri="{BB962C8B-B14F-4D97-AF65-F5344CB8AC3E}">
-        <p14:creationId xmlns:p14="http://schemas.microsoft.com/office/powerpoint/2010/main" xmlns="" val="2260543410"/>
+        <p14:creationId xmlns="" xmlns:p14="http://schemas.microsoft.com/office/powerpoint/2010/main" val="2260543410"/>
       </p:ext>
     </p:extLst>
   </p:cSld>
@@ -6488,7 +6459,7 @@
     </p:spTree>
     <p:extLst>
       <p:ext uri="{BB962C8B-B14F-4D97-AF65-F5344CB8AC3E}">
-        <p14:creationId xmlns:p14="http://schemas.microsoft.com/office/powerpoint/2010/main" xmlns="" val="4031993031"/>
+        <p14:creationId xmlns="" xmlns:p14="http://schemas.microsoft.com/office/powerpoint/2010/main" val="4031993031"/>
       </p:ext>
     </p:extLst>
   </p:cSld>
@@ -6578,11 +6549,7 @@
             </a:r>
             <a:r>
               <a:rPr lang="en-US" dirty="0" smtClean="0"/>
-              <a:t>, Ph.D., Distinguished Technologist, Storage Chief Technologist Office at Hewlett </a:t>
-            </a:r>
-            <a:r>
-              <a:rPr lang="en-US" dirty="0" smtClean="0"/>
-              <a:t>Packard Enterprise</a:t>
+              <a:t>, Ph.D., Distinguished Technologist, Storage Chief Technologist Office at Hewlett Packard Enterprise</a:t>
             </a:r>
           </a:p>
           <a:p>
@@ -6611,25 +6578,15 @@
             <a:pPr lvl="1"/>
             <a:r>
               <a:rPr lang="en-US" dirty="0" smtClean="0"/>
-              <a:t>Kevin Cheng for participating in the first hal</a:t>
-            </a:r>
+              <a:t>Kevin Cheng for participating in the first half of the project</a:t>
+            </a:r>
+          </a:p>
+          <a:p>
+            <a:pPr lvl="1"/>
             <a:r>
               <a:rPr lang="en-US" dirty="0" smtClean="0"/>
-              <a:t>f of the project</a:t>
-            </a:r>
-            <a:endParaRPr lang="en-US" dirty="0" smtClean="0"/>
-          </a:p>
-          <a:p>
-            <a:pPr lvl="1"/>
-            <a:r>
-              <a:rPr lang="en-US" dirty="0" smtClean="0"/>
-              <a:t> HPE for the hardware and support </a:t>
-            </a:r>
-            <a:r>
-              <a:rPr lang="en-US" dirty="0" smtClean="0"/>
-              <a:t>provided</a:t>
-            </a:r>
-            <a:endParaRPr lang="en-US" dirty="0" smtClean="0"/>
+              <a:t> HPE for the hardware and support provided</a:t>
+            </a:r>
           </a:p>
         </p:txBody>
       </p:sp>
@@ -6660,7 +6617,7 @@
     </p:spTree>
     <p:extLst>
       <p:ext uri="{BB962C8B-B14F-4D97-AF65-F5344CB8AC3E}">
-        <p14:creationId xmlns:p14="http://schemas.microsoft.com/office/powerpoint/2010/main" xmlns="" val="1822668284"/>
+        <p14:creationId xmlns="" xmlns:p14="http://schemas.microsoft.com/office/powerpoint/2010/main" val="1822668284"/>
       </p:ext>
     </p:extLst>
   </p:cSld>
@@ -6947,7 +6904,7 @@
   <a:extraClrSchemeLst/>
   <a:extLst>
     <a:ext uri="{05A4C25C-085E-4340-85A3-A5531E510DB2}">
-      <thm15:themeFamily xmlns="" xmlns:thm15="http://schemas.microsoft.com/office/thememl/2012/main" name="Retrospect" id="{5F128B03-DCCA-4EEB-AB3B-CF2899314A46}" vid="{02006FA4-1611-4B07-AF7F-85CF6D20EB3E}"/>
+      <thm15:themeFamily xmlns:thm15="http://schemas.microsoft.com/office/thememl/2012/main" xmlns="" name="Retrospect" id="{5F128B03-DCCA-4EEB-AB3B-CF2899314A46}" vid="{02006FA4-1611-4B07-AF7F-85CF6D20EB3E}"/>
     </a:ext>
   </a:extLst>
 </a:theme>
@@ -7208,7 +7165,7 @@
   <a:extraClrSchemeLst/>
   <a:extLst>
     <a:ext uri="{05A4C25C-085E-4340-85A3-A5531E510DB2}">
-      <thm15:themeFamily xmlns="" xmlns:thm15="http://schemas.microsoft.com/office/thememl/2012/main" name="Office Theme" id="{62F939B6-93AF-4DB8-9C6B-D6C7DFDC589F}" vid="{4A3C46E8-61CC-4603-A589-7422A47A8E4A}"/>
+      <thm15:themeFamily xmlns:thm15="http://schemas.microsoft.com/office/thememl/2012/main" xmlns="" name="Office Theme" id="{62F939B6-93AF-4DB8-9C6B-D6C7DFDC589F}" vid="{4A3C46E8-61CC-4603-A589-7422A47A8E4A}"/>
     </a:ext>
   </a:extLst>
 </a:theme>
